--- a/manuscripts/DETECT2020/source/figures/Diagrams.pptx
+++ b/manuscripts/DETECT2020/source/figures/Diagrams.pptx
@@ -202,7 +202,7 @@
           <a:p>
             <a:fld id="{7D74606A-B61D-D347-B748-EF32FB610A1A}" type="datetimeFigureOut">
               <a:rPr lang="en-US" smtClean="0"/>
-              <a:t>1/22/20</a:t>
+              <a:t>6/25/20</a:t>
             </a:fld>
             <a:endParaRPr lang="en-US"/>
           </a:p>
@@ -700,7 +700,7 @@
           <a:p>
             <a:fld id="{3F17AAA4-97D1-8441-B9B5-03EA66229AFE}" type="datetimeFigureOut">
               <a:rPr lang="en-US" smtClean="0"/>
-              <a:t>1/22/20</a:t>
+              <a:t>6/25/20</a:t>
             </a:fld>
             <a:endParaRPr lang="en-US"/>
           </a:p>
@@ -898,7 +898,7 @@
           <a:p>
             <a:fld id="{3F17AAA4-97D1-8441-B9B5-03EA66229AFE}" type="datetimeFigureOut">
               <a:rPr lang="en-US" smtClean="0"/>
-              <a:t>1/22/20</a:t>
+              <a:t>6/25/20</a:t>
             </a:fld>
             <a:endParaRPr lang="en-US"/>
           </a:p>
@@ -1106,7 +1106,7 @@
           <a:p>
             <a:fld id="{3F17AAA4-97D1-8441-B9B5-03EA66229AFE}" type="datetimeFigureOut">
               <a:rPr lang="en-US" smtClean="0"/>
-              <a:t>1/22/20</a:t>
+              <a:t>6/25/20</a:t>
             </a:fld>
             <a:endParaRPr lang="en-US"/>
           </a:p>
@@ -1304,7 +1304,7 @@
           <a:p>
             <a:fld id="{3F17AAA4-97D1-8441-B9B5-03EA66229AFE}" type="datetimeFigureOut">
               <a:rPr lang="en-US" smtClean="0"/>
-              <a:t>1/22/20</a:t>
+              <a:t>6/25/20</a:t>
             </a:fld>
             <a:endParaRPr lang="en-US"/>
           </a:p>
@@ -1579,7 +1579,7 @@
           <a:p>
             <a:fld id="{3F17AAA4-97D1-8441-B9B5-03EA66229AFE}" type="datetimeFigureOut">
               <a:rPr lang="en-US" smtClean="0"/>
-              <a:t>1/22/20</a:t>
+              <a:t>6/25/20</a:t>
             </a:fld>
             <a:endParaRPr lang="en-US"/>
           </a:p>
@@ -1844,7 +1844,7 @@
           <a:p>
             <a:fld id="{3F17AAA4-97D1-8441-B9B5-03EA66229AFE}" type="datetimeFigureOut">
               <a:rPr lang="en-US" smtClean="0"/>
-              <a:t>1/22/20</a:t>
+              <a:t>6/25/20</a:t>
             </a:fld>
             <a:endParaRPr lang="en-US"/>
           </a:p>
@@ -2256,7 +2256,7 @@
           <a:p>
             <a:fld id="{3F17AAA4-97D1-8441-B9B5-03EA66229AFE}" type="datetimeFigureOut">
               <a:rPr lang="en-US" smtClean="0"/>
-              <a:t>1/22/20</a:t>
+              <a:t>6/25/20</a:t>
             </a:fld>
             <a:endParaRPr lang="en-US"/>
           </a:p>
@@ -2397,7 +2397,7 @@
           <a:p>
             <a:fld id="{3F17AAA4-97D1-8441-B9B5-03EA66229AFE}" type="datetimeFigureOut">
               <a:rPr lang="en-US" smtClean="0"/>
-              <a:t>1/22/20</a:t>
+              <a:t>6/25/20</a:t>
             </a:fld>
             <a:endParaRPr lang="en-US"/>
           </a:p>
@@ -2510,7 +2510,7 @@
           <a:p>
             <a:fld id="{3F17AAA4-97D1-8441-B9B5-03EA66229AFE}" type="datetimeFigureOut">
               <a:rPr lang="en-US" smtClean="0"/>
-              <a:t>1/22/20</a:t>
+              <a:t>6/25/20</a:t>
             </a:fld>
             <a:endParaRPr lang="en-US"/>
           </a:p>
@@ -2821,7 +2821,7 @@
           <a:p>
             <a:fld id="{3F17AAA4-97D1-8441-B9B5-03EA66229AFE}" type="datetimeFigureOut">
               <a:rPr lang="en-US" smtClean="0"/>
-              <a:t>1/22/20</a:t>
+              <a:t>6/25/20</a:t>
             </a:fld>
             <a:endParaRPr lang="en-US"/>
           </a:p>
@@ -3109,7 +3109,7 @@
           <a:p>
             <a:fld id="{3F17AAA4-97D1-8441-B9B5-03EA66229AFE}" type="datetimeFigureOut">
               <a:rPr lang="en-US" smtClean="0"/>
-              <a:t>1/22/20</a:t>
+              <a:t>6/25/20</a:t>
             </a:fld>
             <a:endParaRPr lang="en-US"/>
           </a:p>
@@ -3350,7 +3350,7 @@
           <a:p>
             <a:fld id="{3F17AAA4-97D1-8441-B9B5-03EA66229AFE}" type="datetimeFigureOut">
               <a:rPr lang="en-US" smtClean="0"/>
-              <a:t>1/22/20</a:t>
+              <a:t>6/25/20</a:t>
             </a:fld>
             <a:endParaRPr lang="en-US"/>
           </a:p>
@@ -17644,9 +17644,9 @@
         <p:grpSpPr>
           <a:xfrm>
             <a:off x="-1914524" y="-1016100"/>
-            <a:ext cx="15533849" cy="9853193"/>
+            <a:ext cx="15533849" cy="10222524"/>
             <a:chOff x="-1914524" y="-1016100"/>
-            <a:chExt cx="15533849" cy="9853193"/>
+            <a:chExt cx="15533849" cy="10222524"/>
           </a:xfrm>
         </p:grpSpPr>
         <p:grpSp>
@@ -18326,8 +18326,8 @@
                   </a:p>
                 </p:txBody>
               </p:sp>
-              <mc:AlternateContent xmlns:mc="http://schemas.openxmlformats.org/markup-compatibility/2006">
-                <mc:Choice xmlns:a14="http://schemas.microsoft.com/office/drawing/2010/main" Requires="a14">
+              <mc:AlternateContent xmlns:mc="http://schemas.openxmlformats.org/markup-compatibility/2006" xmlns:a14="http://schemas.microsoft.com/office/drawing/2010/main">
+                <mc:Choice Requires="a14">
                   <p:sp>
                     <p:nvSpPr>
                       <p:cNvPr id="103" name="TextBox 102">
@@ -18411,7 +18411,7 @@
                     </p:txBody>
                   </p:sp>
                 </mc:Choice>
-                <mc:Fallback>
+                <mc:Fallback xmlns="">
                   <p:sp>
                     <p:nvSpPr>
                       <p:cNvPr id="103" name="TextBox 102">
@@ -18543,7 +18543,7 @@
                         </a:r>
                         <a:r>
                           <a:rPr lang="en-US" sz="2400" dirty="0"/>
-                          <a:t> := FALSE &amp; dt :</a:t>
+                          <a:t> := FALSE &amp; dt {:</a:t>
                         </a:r>
                         <a14:m>
                           <m:oMath xmlns:m="http://schemas.openxmlformats.org/officeDocument/2006/math">
@@ -18558,7 +18558,7 @@
                         </a14:m>
                         <a:r>
                           <a:rPr lang="en-US" sz="2400" dirty="0"/>
-                          <a:t> iQ</a:t>
+                          <a:t> iQ}</a:t>
                         </a:r>
                       </a:p>
                     </p:txBody>
@@ -18716,7 +18716,7 @@
                         </a:r>
                         <a:r>
                           <a:rPr lang="en-US" sz="2400" dirty="0"/>
-                          <a:t> := FALSE &amp; dt :</a:t>
+                          <a:t> := FALSE &amp; dt {:</a:t>
                         </a:r>
                         <a14:m>
                           <m:oMath xmlns:m="http://schemas.openxmlformats.org/officeDocument/2006/math">
@@ -18731,7 +18731,7 @@
                         </a14:m>
                         <a:r>
                           <a:rPr lang="en-US" sz="2400" dirty="0"/>
-                          <a:t> eQ</a:t>
+                          <a:t> eQ}</a:t>
                         </a:r>
                       </a:p>
                     </p:txBody>
@@ -19499,8 +19499,8 @@
                 </p:txBody>
               </p:sp>
             </p:grpSp>
-            <mc:AlternateContent xmlns:mc="http://schemas.openxmlformats.org/markup-compatibility/2006">
-              <mc:Choice xmlns:a14="http://schemas.microsoft.com/office/drawing/2010/main" Requires="a14">
+            <mc:AlternateContent xmlns:mc="http://schemas.openxmlformats.org/markup-compatibility/2006" xmlns:a14="http://schemas.microsoft.com/office/drawing/2010/main">
+              <mc:Choice Requires="a14">
                 <p:sp>
                   <p:nvSpPr>
                     <p:cNvPr id="66" name="TextBox 65">
@@ -19605,7 +19605,7 @@
                   </p:txBody>
                 </p:sp>
               </mc:Choice>
-              <mc:Fallback>
+              <mc:Fallback xmlns="">
                 <p:sp>
                   <p:nvSpPr>
                     <p:cNvPr id="66" name="TextBox 65">
@@ -19763,7 +19763,7 @@
               <p:spPr>
                 <a:xfrm>
                   <a:off x="-1225437" y="7636764"/>
-                  <a:ext cx="12301538" cy="1200329"/>
+                  <a:ext cx="12301538" cy="1569660"/>
                 </a:xfrm>
                 <a:prstGeom prst="rect">
                   <a:avLst/>
@@ -19926,6 +19926,35 @@
                   </a14:m>
                   <a:endParaRPr lang="en-US" sz="2400" dirty="0"/>
                 </a:p>
+                <a:p>
+                  <a:r>
+                    <a:rPr lang="en-US" sz="2400" dirty="0"/>
+                    <a:t>Selects a single element from a set </a:t>
+                  </a:r>
+                  <a:r>
+                    <a:rPr lang="en-US" sz="2400" dirty="0" err="1"/>
+                    <a:t>iQ</a:t>
+                  </a:r>
+                  <a:r>
+                    <a:rPr lang="en-US" sz="2400" dirty="0"/>
+                    <a:t> and constructs a singleton from it, dt {:</a:t>
+                  </a:r>
+                  <a14:m>
+                    <m:oMath xmlns:m="http://schemas.openxmlformats.org/officeDocument/2006/math">
+                      <m:r>
+                        <a:rPr lang="en-US" sz="2400" i="1">
+                          <a:latin typeface="Cambria Math" panose="02040503050406030204" pitchFamily="18" charset="0"/>
+                          <a:ea typeface="Cambria Math" panose="02040503050406030204" pitchFamily="18" charset="0"/>
+                        </a:rPr>
+                        <m:t>∈</m:t>
+                      </m:r>
+                    </m:oMath>
+                  </a14:m>
+                  <a:r>
+                    <a:rPr lang="en-US" sz="2400" dirty="0"/>
+                    <a:t> iQ} </a:t>
+                  </a:r>
+                </a:p>
               </p:txBody>
             </p:sp>
           </mc:Choice>
@@ -19947,7 +19976,7 @@
               <p:spPr>
                 <a:xfrm>
                   <a:off x="-1225437" y="7636764"/>
-                  <a:ext cx="12301538" cy="1200329"/>
+                  <a:ext cx="12301538" cy="1569660"/>
                 </a:xfrm>
                 <a:prstGeom prst="rect">
                   <a:avLst/>
@@ -19955,7 +19984,7 @@
                 <a:blipFill>
                   <a:blip r:embed="rId11"/>
                   <a:stretch>
-                    <a:fillRect l="-826" t="-7292" b="-9375"/>
+                    <a:fillRect l="-826" t="-5600" b="-7200"/>
                   </a:stretch>
                 </a:blipFill>
               </p:spPr>

--- a/manuscripts/DETECT2020/source/figures/Diagrams.pptx
+++ b/manuscripts/DETECT2020/source/figures/Diagrams.pptx
@@ -202,7 +202,7 @@
           <a:p>
             <a:fld id="{7D74606A-B61D-D347-B748-EF32FB610A1A}" type="datetimeFigureOut">
               <a:rPr lang="en-US" smtClean="0"/>
-              <a:t>6/25/20</a:t>
+              <a:t>9/1/20</a:t>
             </a:fld>
             <a:endParaRPr lang="en-US"/>
           </a:p>
@@ -700,7 +700,7 @@
           <a:p>
             <a:fld id="{3F17AAA4-97D1-8441-B9B5-03EA66229AFE}" type="datetimeFigureOut">
               <a:rPr lang="en-US" smtClean="0"/>
-              <a:t>6/25/20</a:t>
+              <a:t>9/1/20</a:t>
             </a:fld>
             <a:endParaRPr lang="en-US"/>
           </a:p>
@@ -898,7 +898,7 @@
           <a:p>
             <a:fld id="{3F17AAA4-97D1-8441-B9B5-03EA66229AFE}" type="datetimeFigureOut">
               <a:rPr lang="en-US" smtClean="0"/>
-              <a:t>6/25/20</a:t>
+              <a:t>9/1/20</a:t>
             </a:fld>
             <a:endParaRPr lang="en-US"/>
           </a:p>
@@ -1106,7 +1106,7 @@
           <a:p>
             <a:fld id="{3F17AAA4-97D1-8441-B9B5-03EA66229AFE}" type="datetimeFigureOut">
               <a:rPr lang="en-US" smtClean="0"/>
-              <a:t>6/25/20</a:t>
+              <a:t>9/1/20</a:t>
             </a:fld>
             <a:endParaRPr lang="en-US"/>
           </a:p>
@@ -1304,7 +1304,7 @@
           <a:p>
             <a:fld id="{3F17AAA4-97D1-8441-B9B5-03EA66229AFE}" type="datetimeFigureOut">
               <a:rPr lang="en-US" smtClean="0"/>
-              <a:t>6/25/20</a:t>
+              <a:t>9/1/20</a:t>
             </a:fld>
             <a:endParaRPr lang="en-US"/>
           </a:p>
@@ -1579,7 +1579,7 @@
           <a:p>
             <a:fld id="{3F17AAA4-97D1-8441-B9B5-03EA66229AFE}" type="datetimeFigureOut">
               <a:rPr lang="en-US" smtClean="0"/>
-              <a:t>6/25/20</a:t>
+              <a:t>9/1/20</a:t>
             </a:fld>
             <a:endParaRPr lang="en-US"/>
           </a:p>
@@ -1844,7 +1844,7 @@
           <a:p>
             <a:fld id="{3F17AAA4-97D1-8441-B9B5-03EA66229AFE}" type="datetimeFigureOut">
               <a:rPr lang="en-US" smtClean="0"/>
-              <a:t>6/25/20</a:t>
+              <a:t>9/1/20</a:t>
             </a:fld>
             <a:endParaRPr lang="en-US"/>
           </a:p>
@@ -2256,7 +2256,7 @@
           <a:p>
             <a:fld id="{3F17AAA4-97D1-8441-B9B5-03EA66229AFE}" type="datetimeFigureOut">
               <a:rPr lang="en-US" smtClean="0"/>
-              <a:t>6/25/20</a:t>
+              <a:t>9/1/20</a:t>
             </a:fld>
             <a:endParaRPr lang="en-US"/>
           </a:p>
@@ -2397,7 +2397,7 @@
           <a:p>
             <a:fld id="{3F17AAA4-97D1-8441-B9B5-03EA66229AFE}" type="datetimeFigureOut">
               <a:rPr lang="en-US" smtClean="0"/>
-              <a:t>6/25/20</a:t>
+              <a:t>9/1/20</a:t>
             </a:fld>
             <a:endParaRPr lang="en-US"/>
           </a:p>
@@ -2510,7 +2510,7 @@
           <a:p>
             <a:fld id="{3F17AAA4-97D1-8441-B9B5-03EA66229AFE}" type="datetimeFigureOut">
               <a:rPr lang="en-US" smtClean="0"/>
-              <a:t>6/25/20</a:t>
+              <a:t>9/1/20</a:t>
             </a:fld>
             <a:endParaRPr lang="en-US"/>
           </a:p>
@@ -2821,7 +2821,7 @@
           <a:p>
             <a:fld id="{3F17AAA4-97D1-8441-B9B5-03EA66229AFE}" type="datetimeFigureOut">
               <a:rPr lang="en-US" smtClean="0"/>
-              <a:t>6/25/20</a:t>
+              <a:t>9/1/20</a:t>
             </a:fld>
             <a:endParaRPr lang="en-US"/>
           </a:p>
@@ -3109,7 +3109,7 @@
           <a:p>
             <a:fld id="{3F17AAA4-97D1-8441-B9B5-03EA66229AFE}" type="datetimeFigureOut">
               <a:rPr lang="en-US" smtClean="0"/>
-              <a:t>6/25/20</a:t>
+              <a:t>9/1/20</a:t>
             </a:fld>
             <a:endParaRPr lang="en-US"/>
           </a:p>
@@ -3350,7 +3350,7 @@
           <a:p>
             <a:fld id="{3F17AAA4-97D1-8441-B9B5-03EA66229AFE}" type="datetimeFigureOut">
               <a:rPr lang="en-US" smtClean="0"/>
-              <a:t>6/25/20</a:t>
+              <a:t>9/1/20</a:t>
             </a:fld>
             <a:endParaRPr lang="en-US"/>
           </a:p>
@@ -18456,8 +18456,8 @@
                   </p:sp>
                 </mc:Fallback>
               </mc:AlternateContent>
-              <mc:AlternateContent xmlns:mc="http://schemas.openxmlformats.org/markup-compatibility/2006">
-                <mc:Choice xmlns:a14="http://schemas.microsoft.com/office/drawing/2010/main" Requires="a14">
+              <mc:AlternateContent xmlns:mc="http://schemas.openxmlformats.org/markup-compatibility/2006" xmlns:a14="http://schemas.microsoft.com/office/drawing/2010/main">
+                <mc:Choice Requires="a14">
                   <p:sp>
                     <p:nvSpPr>
                       <p:cNvPr id="104" name="TextBox 103">
@@ -18564,7 +18564,7 @@
                     </p:txBody>
                   </p:sp>
                 </mc:Choice>
-                <mc:Fallback>
+                <mc:Fallback xmlns="">
                   <p:sp>
                     <p:nvSpPr>
                       <p:cNvPr id="104" name="TextBox 103">
@@ -18609,8 +18609,8 @@
                   </p:sp>
                 </mc:Fallback>
               </mc:AlternateContent>
-              <mc:AlternateContent xmlns:mc="http://schemas.openxmlformats.org/markup-compatibility/2006">
-                <mc:Choice xmlns:a14="http://schemas.microsoft.com/office/drawing/2010/main" Requires="a14">
+              <mc:AlternateContent xmlns:mc="http://schemas.openxmlformats.org/markup-compatibility/2006" xmlns:a14="http://schemas.microsoft.com/office/drawing/2010/main">
+                <mc:Choice Requires="a14">
                   <p:sp>
                     <p:nvSpPr>
                       <p:cNvPr id="105" name="TextBox 104">
@@ -18737,7 +18737,7 @@
                     </p:txBody>
                   </p:sp>
                 </mc:Choice>
-                <mc:Fallback>
+                <mc:Fallback xmlns="">
                   <p:sp>
                     <p:nvSpPr>
                       <p:cNvPr id="105" name="TextBox 104">
@@ -19119,8 +19119,8 @@
                   </p:sp>
                 </mc:Fallback>
               </mc:AlternateContent>
-              <mc:AlternateContent xmlns:mc="http://schemas.openxmlformats.org/markup-compatibility/2006" xmlns:a14="http://schemas.microsoft.com/office/drawing/2010/main">
-                <mc:Choice Requires="a14">
+              <mc:AlternateContent xmlns:mc="http://schemas.openxmlformats.org/markup-compatibility/2006">
+                <mc:Choice xmlns:a14="http://schemas.microsoft.com/office/drawing/2010/main" Requires="a14">
                   <p:sp>
                     <p:nvSpPr>
                       <p:cNvPr id="117" name="TextBox 116">
@@ -19159,7 +19159,7 @@
                         <a:pPr algn="ctr"/>
                         <a:r>
                           <a:rPr lang="en-US" sz="2400" i="1" dirty="0" err="1"/>
-                          <a:t>fututeUntriggeredTransitionSet</a:t>
+                          <a:t>futureUntriggeredTransitionSet</a:t>
                         </a:r>
                         <a:endParaRPr lang="en-US" sz="2400" i="1" dirty="0"/>
                       </a:p>
@@ -19235,7 +19235,7 @@
                     </p:txBody>
                   </p:sp>
                 </mc:Choice>
-                <mc:Fallback xmlns="">
+                <mc:Fallback>
                   <p:sp>
                     <p:nvSpPr>
                       <p:cNvPr id="117" name="TextBox 116">
@@ -19746,8 +19746,8 @@
             </p:style>
           </p:cxnSp>
         </p:grpSp>
-        <mc:AlternateContent xmlns:mc="http://schemas.openxmlformats.org/markup-compatibility/2006">
-          <mc:Choice xmlns:a14="http://schemas.microsoft.com/office/drawing/2010/main" Requires="a14">
+        <mc:AlternateContent xmlns:mc="http://schemas.openxmlformats.org/markup-compatibility/2006" xmlns:a14="http://schemas.microsoft.com/office/drawing/2010/main">
+          <mc:Choice Requires="a14">
             <p:sp>
               <p:nvSpPr>
                 <p:cNvPr id="58" name="TextBox 57">
@@ -19958,7 +19958,7 @@
               </p:txBody>
             </p:sp>
           </mc:Choice>
-          <mc:Fallback>
+          <mc:Fallback xmlns="">
             <p:sp>
               <p:nvSpPr>
                 <p:cNvPr id="58" name="TextBox 57">
